--- a/reports/20230316_dusk_microbursts.pptx
+++ b/reports/20230316_dusk_microbursts.pptx
@@ -3857,6 +3857,32 @@
             <a:r>
               <a:rPr lang="en-US" dirty="0"/>
               <a:t>Wrote code to generate summary plots of each microburst.</a:t>
+            </a:r>
+          </a:p>
+          <a:p>
+            <a:r>
+              <a:rPr lang="en-US" dirty="0"/>
+              <a:t>Code is in a “</a:t>
+            </a:r>
+            <a:r>
+              <a:rPr lang="en-US" dirty="0">
+                <a:hlinkClick r:id="rId2"/>
+              </a:rPr>
+              <a:t>202303_dusk</a:t>
+            </a:r>
+            <a:r>
+              <a:rPr lang="en-US" dirty="0"/>
+              <a:t>” development branch of the “</a:t>
+            </a:r>
+            <a:r>
+              <a:rPr lang="en-US" dirty="0" err="1">
+                <a:hlinkClick r:id="rId2"/>
+              </a:rPr>
+              <a:t>sampex_microburst_widths</a:t>
+            </a:r>
+            <a:r>
+              <a:rPr lang="en-US" dirty="0"/>
+              <a:t>” package.</a:t>
             </a:r>
           </a:p>
           <a:p>

--- a/reports/20230316_dusk_microbursts.pptx
+++ b/reports/20230316_dusk_microbursts.pptx
@@ -110,6 +110,11 @@
       </a:defRPr>
     </a:lvl9pPr>
   </p:defaultTextStyle>
+  <p:extLst>
+    <p:ext uri="{EFAFB233-063F-42B5-8137-9DF3F51BA10A}">
+      <p15:sldGuideLst xmlns:p15="http://schemas.microsoft.com/office/powerpoint/2012/main"/>
+    </p:ext>
+  </p:extLst>
 </p:presentation>
 </file>
 
@@ -3851,7 +3856,9 @@
         </p:nvSpPr>
         <p:spPr/>
         <p:txBody>
-          <a:bodyPr/>
+          <a:bodyPr>
+            <a:normAutofit lnSpcReduction="10000"/>
+          </a:bodyPr>
           <a:lstStyle/>
           <a:p>
             <a:r>
@@ -3876,7 +3883,7 @@
             </a:r>
             <a:r>
               <a:rPr lang="en-US" dirty="0" err="1">
-                <a:hlinkClick r:id="rId2"/>
+                <a:hlinkClick r:id="rId3"/>
               </a:rPr>
               <a:t>sampex_microburst_widths</a:t>
             </a:r>
@@ -3902,6 +3909,19 @@
             <a:pPr lvl="1"/>
             <a:r>
               <a:rPr lang="en-US" dirty="0"/>
+              <a:t>“Good” fit adj_R^2&gt;0.9</a:t>
+            </a:r>
+          </a:p>
+          <a:p>
+            <a:pPr lvl="1"/>
+            <a:r>
+              <a:rPr lang="en-US" dirty="0"/>
+              <a:t>“Bad” fit adj_R^2&lt;0.5</a:t>
+            </a:r>
+          </a:p>
+          <a:p>
+            <a:r>
+              <a:rPr lang="en-US" dirty="0"/>
               <a:t>16083 microbursts in </a:t>
             </a:r>
             <a:r>
@@ -3914,7 +3934,6 @@
             </a:r>
           </a:p>
           <a:p>
-            <a:pPr lvl="1"/>
             <a:r>
               <a:rPr lang="en-US" dirty="0"/>
               <a:t>4515 microbursts in </a:t>
@@ -3929,7 +3948,6 @@
             </a:r>
           </a:p>
           <a:p>
-            <a:pPr lvl="1"/>
             <a:r>
               <a:rPr lang="en-US" dirty="0"/>
               <a:t>2047 microbursts in </a:t>

--- a/reports/20230316_dusk_microbursts.pptx
+++ b/reports/20230316_dusk_microbursts.pptx
@@ -3741,8 +3741,13 @@
           <a:p>
             <a:r>
               <a:rPr lang="en-US" dirty="0"/>
-              <a:t>MeV Microbursts at Dusk</a:t>
-            </a:r>
+              <a:t>Dusk </a:t>
+            </a:r>
+            <a:r>
+              <a:rPr lang="en-US"/>
+              <a:t>MeV Microbursts</a:t>
+            </a:r>
+            <a:endParaRPr lang="en-US" dirty="0"/>
           </a:p>
         </p:txBody>
       </p:sp>
@@ -3857,7 +3862,7 @@
         <p:spPr/>
         <p:txBody>
           <a:bodyPr>
-            <a:normAutofit lnSpcReduction="10000"/>
+            <a:normAutofit fontScale="92500" lnSpcReduction="20000"/>
           </a:bodyPr>
           <a:lstStyle/>
           <a:p>
@@ -3959,6 +3964,12 @@
             <a:r>
               <a:rPr lang="en-US" dirty="0"/>
               <a:t>=[16, 22] and with adj_R^2&lt;0.5</a:t>
+            </a:r>
+          </a:p>
+          <a:p>
+            <a:r>
+              <a:rPr lang="en-US" dirty="0"/>
+              <a:t>I generated the ~6500 plots and I plan to upload them to Google Drive (LINK)</a:t>
             </a:r>
           </a:p>
         </p:txBody>

--- a/reports/20230316_dusk_microbursts.pptx
+++ b/reports/20230316_dusk_microbursts.pptx
@@ -5,13 +5,14 @@
     <p:sldMasterId id="2147483648" r:id="rId1"/>
   </p:sldMasterIdLst>
   <p:notesMasterIdLst>
-    <p:notesMasterId r:id="rId6"/>
+    <p:notesMasterId r:id="rId7"/>
   </p:notesMasterIdLst>
   <p:sldIdLst>
     <p:sldId id="256" r:id="rId2"/>
     <p:sldId id="258" r:id="rId3"/>
     <p:sldId id="259" r:id="rId4"/>
-    <p:sldId id="257" r:id="rId5"/>
+    <p:sldId id="260" r:id="rId5"/>
+    <p:sldId id="257" r:id="rId6"/>
   </p:sldIdLst>
   <p:sldSz cx="12192000" cy="6858000"/>
   <p:notesSz cx="6858000" cy="9144000"/>
@@ -3741,13 +3742,8 @@
           <a:p>
             <a:r>
               <a:rPr lang="en-US" dirty="0"/>
-              <a:t>Dusk </a:t>
-            </a:r>
-            <a:r>
-              <a:rPr lang="en-US"/>
-              <a:t>MeV Microbursts</a:t>
-            </a:r>
-            <a:endParaRPr lang="en-US" dirty="0"/>
+              <a:t>Dusk MeV Microbursts</a:t>
+            </a:r>
           </a:p>
         </p:txBody>
       </p:sp>
@@ -4310,6 +4306,185 @@
           <p:cNvPr id="2" name="Title 1">
             <a:extLst>
               <a:ext uri="{FF2B5EF4-FFF2-40B4-BE49-F238E27FC236}">
+                <a16:creationId xmlns:a16="http://schemas.microsoft.com/office/drawing/2014/main" id="{33259A25-5059-3B11-9BDC-2EB5CE589567}"/>
+              </a:ext>
+            </a:extLst>
+          </p:cNvPr>
+          <p:cNvSpPr>
+            <a:spLocks noGrp="1"/>
+          </p:cNvSpPr>
+          <p:nvPr>
+            <p:ph type="title"/>
+          </p:nvPr>
+        </p:nvSpPr>
+        <p:spPr/>
+        <p:txBody>
+          <a:bodyPr/>
+          <a:lstStyle/>
+          <a:p>
+            <a:r>
+              <a:rPr lang="en-US" dirty="0"/>
+              <a:t>Where are the bad fits?</a:t>
+            </a:r>
+          </a:p>
+        </p:txBody>
+      </p:sp>
+      <p:pic>
+        <p:nvPicPr>
+          <p:cNvPr id="8" name="Content Placeholder 7" descr="Chart, radar chart&#10;&#10;Description automatically generated">
+            <a:extLst>
+              <a:ext uri="{FF2B5EF4-FFF2-40B4-BE49-F238E27FC236}">
+                <a16:creationId xmlns:a16="http://schemas.microsoft.com/office/drawing/2014/main" id="{0E851970-37F9-2CA2-89A7-8D083934FA49}"/>
+              </a:ext>
+            </a:extLst>
+          </p:cNvPr>
+          <p:cNvPicPr>
+            <a:picLocks noGrp="1" noChangeAspect="1"/>
+          </p:cNvPicPr>
+          <p:nvPr>
+            <p:ph idx="1"/>
+          </p:nvPr>
+        </p:nvPicPr>
+        <p:blipFill>
+          <a:blip r:embed="rId2">
+            <a:extLst>
+              <a:ext uri="{28A0092B-C50C-407E-A947-70E740481C1C}">
+                <a14:useLocalDpi xmlns:a14="http://schemas.microsoft.com/office/drawing/2010/main" val="0"/>
+              </a:ext>
+            </a:extLst>
+          </a:blip>
+          <a:stretch>
+            <a:fillRect/>
+          </a:stretch>
+        </p:blipFill>
+        <p:spPr>
+          <a:xfrm>
+            <a:off x="940904" y="1686656"/>
+            <a:ext cx="10310192" cy="4629276"/>
+          </a:xfrm>
+        </p:spPr>
+      </p:pic>
+      <p:sp>
+        <p:nvSpPr>
+          <p:cNvPr id="4" name="Date Placeholder 3">
+            <a:extLst>
+              <a:ext uri="{FF2B5EF4-FFF2-40B4-BE49-F238E27FC236}">
+                <a16:creationId xmlns:a16="http://schemas.microsoft.com/office/drawing/2014/main" id="{BDE4FA1C-4C54-5340-975B-485A366E91B7}"/>
+              </a:ext>
+            </a:extLst>
+          </p:cNvPr>
+          <p:cNvSpPr>
+            <a:spLocks noGrp="1"/>
+          </p:cNvSpPr>
+          <p:nvPr>
+            <p:ph type="dt" sz="half" idx="10"/>
+          </p:nvPr>
+        </p:nvSpPr>
+        <p:spPr/>
+        <p:txBody>
+          <a:bodyPr/>
+          <a:lstStyle/>
+          <a:p>
+            <a:fld id="{E73FE0AB-206B-4D90-A394-30ECD32AD890}" type="datetime1">
+              <a:rPr lang="en-US" smtClean="0"/>
+              <a:t>3/16/2023</a:t>
+            </a:fld>
+            <a:endParaRPr lang="en-US"/>
+          </a:p>
+        </p:txBody>
+      </p:sp>
+      <p:sp>
+        <p:nvSpPr>
+          <p:cNvPr id="5" name="Footer Placeholder 4">
+            <a:extLst>
+              <a:ext uri="{FF2B5EF4-FFF2-40B4-BE49-F238E27FC236}">
+                <a16:creationId xmlns:a16="http://schemas.microsoft.com/office/drawing/2014/main" id="{0208AE7B-61AA-1EF4-8DB8-14CAEE0F147F}"/>
+              </a:ext>
+            </a:extLst>
+          </p:cNvPr>
+          <p:cNvSpPr>
+            <a:spLocks noGrp="1"/>
+          </p:cNvSpPr>
+          <p:nvPr>
+            <p:ph type="ftr" sz="quarter" idx="11"/>
+          </p:nvPr>
+        </p:nvSpPr>
+        <p:spPr/>
+        <p:txBody>
+          <a:bodyPr/>
+          <a:lstStyle/>
+          <a:p>
+            <a:r>
+              <a:rPr lang="en-US"/>
+              <a:t>Shumko | Dusk MeV Microbursts</a:t>
+            </a:r>
+          </a:p>
+        </p:txBody>
+      </p:sp>
+      <p:sp>
+        <p:nvSpPr>
+          <p:cNvPr id="6" name="Slide Number Placeholder 5">
+            <a:extLst>
+              <a:ext uri="{FF2B5EF4-FFF2-40B4-BE49-F238E27FC236}">
+                <a16:creationId xmlns:a16="http://schemas.microsoft.com/office/drawing/2014/main" id="{A30C72F8-1862-C087-0D09-5492E63E7E1B}"/>
+              </a:ext>
+            </a:extLst>
+          </p:cNvPr>
+          <p:cNvSpPr>
+            <a:spLocks noGrp="1"/>
+          </p:cNvSpPr>
+          <p:nvPr>
+            <p:ph type="sldNum" sz="quarter" idx="12"/>
+          </p:nvPr>
+        </p:nvSpPr>
+        <p:spPr/>
+        <p:txBody>
+          <a:bodyPr/>
+          <a:lstStyle/>
+          <a:p>
+            <a:fld id="{A96EAEDA-0E79-4569-8526-042DE5D21106}" type="slidenum">
+              <a:rPr lang="en-US" smtClean="0"/>
+              <a:t>4</a:t>
+            </a:fld>
+            <a:endParaRPr lang="en-US"/>
+          </a:p>
+        </p:txBody>
+      </p:sp>
+    </p:spTree>
+    <p:extLst>
+      <p:ext uri="{BB962C8B-B14F-4D97-AF65-F5344CB8AC3E}">
+        <p14:creationId xmlns:p14="http://schemas.microsoft.com/office/powerpoint/2010/main" val="3044311787"/>
+      </p:ext>
+    </p:extLst>
+  </p:cSld>
+  <p:clrMapOvr>
+    <a:masterClrMapping/>
+  </p:clrMapOvr>
+</p:sld>
+</file>
+
+<file path=ppt/slides/slide5.xml><?xml version="1.0" encoding="utf-8"?>
+<p:sld xmlns:a="http://schemas.openxmlformats.org/drawingml/2006/main" xmlns:r="http://schemas.openxmlformats.org/officeDocument/2006/relationships" xmlns:p="http://schemas.openxmlformats.org/presentationml/2006/main">
+  <p:cSld>
+    <p:spTree>
+      <p:nvGrpSpPr>
+        <p:cNvPr id="1" name=""/>
+        <p:cNvGrpSpPr/>
+        <p:nvPr/>
+      </p:nvGrpSpPr>
+      <p:grpSpPr>
+        <a:xfrm>
+          <a:off x="0" y="0"/>
+          <a:ext cx="0" cy="0"/>
+          <a:chOff x="0" y="0"/>
+          <a:chExt cx="0" cy="0"/>
+        </a:xfrm>
+      </p:grpSpPr>
+      <p:sp>
+        <p:nvSpPr>
+          <p:cNvPr id="2" name="Title 1">
+            <a:extLst>
+              <a:ext uri="{FF2B5EF4-FFF2-40B4-BE49-F238E27FC236}">
                 <a16:creationId xmlns:a16="http://schemas.microsoft.com/office/drawing/2014/main" id="{D424A6DA-CAAD-D364-1A73-5E6D55E6679A}"/>
               </a:ext>
             </a:extLst>
@@ -4484,7 +4659,7 @@
           <a:p>
             <a:fld id="{A96EAEDA-0E79-4569-8526-042DE5D21106}" type="slidenum">
               <a:rPr lang="en-US" smtClean="0"/>
-              <a:t>4</a:t>
+              <a:t>5</a:t>
             </a:fld>
             <a:endParaRPr lang="en-US"/>
           </a:p>

--- a/reports/20230316_dusk_microbursts.pptx
+++ b/reports/20230316_dusk_microbursts.pptx
@@ -5,7 +5,7 @@
     <p:sldMasterId id="2147483648" r:id="rId1"/>
   </p:sldMasterIdLst>
   <p:notesMasterIdLst>
-    <p:notesMasterId r:id="rId7"/>
+    <p:notesMasterId r:id="rId14"/>
   </p:notesMasterIdLst>
   <p:sldIdLst>
     <p:sldId id="256" r:id="rId2"/>
@@ -13,6 +13,13 @@
     <p:sldId id="259" r:id="rId4"/>
     <p:sldId id="260" r:id="rId5"/>
     <p:sldId id="257" r:id="rId6"/>
+    <p:sldId id="261" r:id="rId7"/>
+    <p:sldId id="262" r:id="rId8"/>
+    <p:sldId id="263" r:id="rId9"/>
+    <p:sldId id="264" r:id="rId10"/>
+    <p:sldId id="265" r:id="rId11"/>
+    <p:sldId id="266" r:id="rId12"/>
+    <p:sldId id="267" r:id="rId13"/>
   </p:sldIdLst>
   <p:sldSz cx="12192000" cy="6858000"/>
   <p:notesSz cx="6858000" cy="9144000"/>
@@ -3742,8 +3749,13 @@
           <a:p>
             <a:r>
               <a:rPr lang="en-US" dirty="0"/>
-              <a:t>Dusk MeV Microbursts</a:t>
-            </a:r>
+              <a:t>MeV </a:t>
+            </a:r>
+            <a:r>
+              <a:rPr lang="en-US"/>
+              <a:t>Dusk Microbursts</a:t>
+            </a:r>
+            <a:endParaRPr lang="en-US" dirty="0"/>
           </a:p>
         </p:txBody>
       </p:sp>
@@ -3785,6 +3797,677 @@
     <p:extLst>
       <p:ext uri="{BB962C8B-B14F-4D97-AF65-F5344CB8AC3E}">
         <p14:creationId xmlns:p14="http://schemas.microsoft.com/office/powerpoint/2010/main" val="2912332131"/>
+      </p:ext>
+    </p:extLst>
+  </p:cSld>
+  <p:clrMapOvr>
+    <a:masterClrMapping/>
+  </p:clrMapOvr>
+</p:sld>
+</file>
+
+<file path=ppt/slides/slide10.xml><?xml version="1.0" encoding="utf-8"?>
+<p:sld xmlns:a="http://schemas.openxmlformats.org/drawingml/2006/main" xmlns:r="http://schemas.openxmlformats.org/officeDocument/2006/relationships" xmlns:p="http://schemas.openxmlformats.org/presentationml/2006/main">
+  <p:cSld>
+    <p:spTree>
+      <p:nvGrpSpPr>
+        <p:cNvPr id="1" name=""/>
+        <p:cNvGrpSpPr/>
+        <p:nvPr/>
+      </p:nvGrpSpPr>
+      <p:grpSpPr>
+        <a:xfrm>
+          <a:off x="0" y="0"/>
+          <a:ext cx="0" cy="0"/>
+          <a:chOff x="0" y="0"/>
+          <a:chExt cx="0" cy="0"/>
+        </a:xfrm>
+      </p:grpSpPr>
+      <p:sp>
+        <p:nvSpPr>
+          <p:cNvPr id="2" name="Title 1">
+            <a:extLst>
+              <a:ext uri="{FF2B5EF4-FFF2-40B4-BE49-F238E27FC236}">
+                <a16:creationId xmlns:a16="http://schemas.microsoft.com/office/drawing/2014/main" id="{0C41AF9E-4F97-DB68-EE11-E2CAA98A9785}"/>
+              </a:ext>
+            </a:extLst>
+          </p:cNvPr>
+          <p:cNvSpPr>
+            <a:spLocks noGrp="1"/>
+          </p:cNvSpPr>
+          <p:nvPr>
+            <p:ph type="title"/>
+          </p:nvPr>
+        </p:nvSpPr>
+        <p:spPr/>
+        <p:txBody>
+          <a:bodyPr/>
+          <a:lstStyle/>
+          <a:p>
+            <a:r>
+              <a:rPr lang="en-US" dirty="0"/>
+              <a:t>Interesting short microbursts</a:t>
+            </a:r>
+          </a:p>
+        </p:txBody>
+      </p:sp>
+      <p:pic>
+        <p:nvPicPr>
+          <p:cNvPr id="8" name="Content Placeholder 7">
+            <a:extLst>
+              <a:ext uri="{FF2B5EF4-FFF2-40B4-BE49-F238E27FC236}">
+                <a16:creationId xmlns:a16="http://schemas.microsoft.com/office/drawing/2014/main" id="{C76B4176-E6A5-B8D9-0634-512F41E48507}"/>
+              </a:ext>
+            </a:extLst>
+          </p:cNvPr>
+          <p:cNvPicPr>
+            <a:picLocks noGrp="1" noChangeAspect="1"/>
+          </p:cNvPicPr>
+          <p:nvPr>
+            <p:ph idx="1"/>
+          </p:nvPr>
+        </p:nvPicPr>
+        <p:blipFill>
+          <a:blip r:embed="rId2">
+            <a:extLst>
+              <a:ext uri="{28A0092B-C50C-407E-A947-70E740481C1C}">
+                <a14:useLocalDpi xmlns:a14="http://schemas.microsoft.com/office/drawing/2010/main" val="0"/>
+              </a:ext>
+            </a:extLst>
+          </a:blip>
+          <a:srcRect/>
+          <a:stretch/>
+        </p:blipFill>
+        <p:spPr>
+          <a:xfrm>
+            <a:off x="2216057" y="1825625"/>
+            <a:ext cx="7759885" cy="4351338"/>
+          </a:xfrm>
+        </p:spPr>
+      </p:pic>
+      <p:sp>
+        <p:nvSpPr>
+          <p:cNvPr id="4" name="Date Placeholder 3">
+            <a:extLst>
+              <a:ext uri="{FF2B5EF4-FFF2-40B4-BE49-F238E27FC236}">
+                <a16:creationId xmlns:a16="http://schemas.microsoft.com/office/drawing/2014/main" id="{CE14E511-7078-A8F7-BAD8-FB27183808E7}"/>
+              </a:ext>
+            </a:extLst>
+          </p:cNvPr>
+          <p:cNvSpPr>
+            <a:spLocks noGrp="1"/>
+          </p:cNvSpPr>
+          <p:nvPr>
+            <p:ph type="dt" sz="half" idx="10"/>
+          </p:nvPr>
+        </p:nvSpPr>
+        <p:spPr/>
+        <p:txBody>
+          <a:bodyPr/>
+          <a:lstStyle/>
+          <a:p>
+            <a:fld id="{E73FE0AB-206B-4D90-A394-30ECD32AD890}" type="datetime1">
+              <a:rPr lang="en-US" smtClean="0"/>
+              <a:t>3/16/2023</a:t>
+            </a:fld>
+            <a:endParaRPr lang="en-US" dirty="0"/>
+          </a:p>
+        </p:txBody>
+      </p:sp>
+      <p:sp>
+        <p:nvSpPr>
+          <p:cNvPr id="5" name="Footer Placeholder 4">
+            <a:extLst>
+              <a:ext uri="{FF2B5EF4-FFF2-40B4-BE49-F238E27FC236}">
+                <a16:creationId xmlns:a16="http://schemas.microsoft.com/office/drawing/2014/main" id="{77826BE5-4288-6B7A-7273-D69B794F5AA1}"/>
+              </a:ext>
+            </a:extLst>
+          </p:cNvPr>
+          <p:cNvSpPr>
+            <a:spLocks noGrp="1"/>
+          </p:cNvSpPr>
+          <p:nvPr>
+            <p:ph type="ftr" sz="quarter" idx="11"/>
+          </p:nvPr>
+        </p:nvSpPr>
+        <p:spPr/>
+        <p:txBody>
+          <a:bodyPr/>
+          <a:lstStyle/>
+          <a:p>
+            <a:r>
+              <a:rPr lang="en-US"/>
+              <a:t>Shumko | Dusk MeV Microbursts</a:t>
+            </a:r>
+          </a:p>
+        </p:txBody>
+      </p:sp>
+      <p:sp>
+        <p:nvSpPr>
+          <p:cNvPr id="6" name="Slide Number Placeholder 5">
+            <a:extLst>
+              <a:ext uri="{FF2B5EF4-FFF2-40B4-BE49-F238E27FC236}">
+                <a16:creationId xmlns:a16="http://schemas.microsoft.com/office/drawing/2014/main" id="{019DB96C-92DC-B262-1239-AAE0BAB35512}"/>
+              </a:ext>
+            </a:extLst>
+          </p:cNvPr>
+          <p:cNvSpPr>
+            <a:spLocks noGrp="1"/>
+          </p:cNvSpPr>
+          <p:nvPr>
+            <p:ph type="sldNum" sz="quarter" idx="12"/>
+          </p:nvPr>
+        </p:nvSpPr>
+        <p:spPr/>
+        <p:txBody>
+          <a:bodyPr/>
+          <a:lstStyle/>
+          <a:p>
+            <a:fld id="{A96EAEDA-0E79-4569-8526-042DE5D21106}" type="slidenum">
+              <a:rPr lang="en-US" smtClean="0"/>
+              <a:t>10</a:t>
+            </a:fld>
+            <a:endParaRPr lang="en-US"/>
+          </a:p>
+        </p:txBody>
+      </p:sp>
+      <p:sp>
+        <p:nvSpPr>
+          <p:cNvPr id="3" name="TextBox 2">
+            <a:extLst>
+              <a:ext uri="{FF2B5EF4-FFF2-40B4-BE49-F238E27FC236}">
+                <a16:creationId xmlns:a16="http://schemas.microsoft.com/office/drawing/2014/main" id="{7805C8FD-B413-1DD7-CD3C-2ABB29D363EB}"/>
+              </a:ext>
+            </a:extLst>
+          </p:cNvPr>
+          <p:cNvSpPr txBox="1"/>
+          <p:nvPr/>
+        </p:nvSpPr>
+        <p:spPr>
+          <a:xfrm>
+            <a:off x="286247" y="2266122"/>
+            <a:ext cx="2178657" cy="1569660"/>
+          </a:xfrm>
+          <a:prstGeom prst="rect">
+            <a:avLst/>
+          </a:prstGeom>
+          <a:noFill/>
+        </p:spPr>
+        <p:txBody>
+          <a:bodyPr wrap="square" rtlCol="0">
+            <a:spAutoFit/>
+          </a:bodyPr>
+          <a:lstStyle/>
+          <a:p>
+            <a:r>
+              <a:rPr lang="en-US" sz="3200" dirty="0">
+                <a:solidFill>
+                  <a:srgbClr val="7030A0"/>
+                </a:solidFill>
+              </a:rPr>
+              <a:t>Each x-axis tick is 100 </a:t>
+            </a:r>
+            <a:r>
+              <a:rPr lang="en-US" sz="3200" dirty="0" err="1">
+                <a:solidFill>
+                  <a:srgbClr val="7030A0"/>
+                </a:solidFill>
+              </a:rPr>
+              <a:t>ms</a:t>
+            </a:r>
+            <a:r>
+              <a:rPr lang="en-US" sz="3200" dirty="0">
+                <a:solidFill>
+                  <a:srgbClr val="7030A0"/>
+                </a:solidFill>
+              </a:rPr>
+              <a:t>!</a:t>
+            </a:r>
+          </a:p>
+        </p:txBody>
+      </p:sp>
+      <p:sp>
+        <p:nvSpPr>
+          <p:cNvPr id="7" name="TextBox 6">
+            <a:extLst>
+              <a:ext uri="{FF2B5EF4-FFF2-40B4-BE49-F238E27FC236}">
+                <a16:creationId xmlns:a16="http://schemas.microsoft.com/office/drawing/2014/main" id="{0D0AFCFE-7FCD-7BE0-C20D-A0CFBDEC6CD4}"/>
+              </a:ext>
+            </a:extLst>
+          </p:cNvPr>
+          <p:cNvSpPr txBox="1"/>
+          <p:nvPr/>
+        </p:nvSpPr>
+        <p:spPr>
+          <a:xfrm>
+            <a:off x="9623728" y="2193287"/>
+            <a:ext cx="2398644" cy="3539430"/>
+          </a:xfrm>
+          <a:prstGeom prst="rect">
+            <a:avLst/>
+          </a:prstGeom>
+          <a:noFill/>
+        </p:spPr>
+        <p:txBody>
+          <a:bodyPr wrap="square" rtlCol="0">
+            <a:spAutoFit/>
+          </a:bodyPr>
+          <a:lstStyle/>
+          <a:p>
+            <a:r>
+              <a:rPr lang="en-US" sz="3200" dirty="0">
+                <a:solidFill>
+                  <a:srgbClr val="7030A0"/>
+                </a:solidFill>
+              </a:rPr>
+              <a:t>… I recall finding these dusk microbursts using the FIRBEIRD-II data too</a:t>
+            </a:r>
+          </a:p>
+        </p:txBody>
+      </p:sp>
+    </p:spTree>
+    <p:extLst>
+      <p:ext uri="{BB962C8B-B14F-4D97-AF65-F5344CB8AC3E}">
+        <p14:creationId xmlns:p14="http://schemas.microsoft.com/office/powerpoint/2010/main" val="2727331562"/>
+      </p:ext>
+    </p:extLst>
+  </p:cSld>
+  <p:clrMapOvr>
+    <a:masterClrMapping/>
+  </p:clrMapOvr>
+</p:sld>
+</file>
+
+<file path=ppt/slides/slide11.xml><?xml version="1.0" encoding="utf-8"?>
+<p:sld xmlns:a="http://schemas.openxmlformats.org/drawingml/2006/main" xmlns:r="http://schemas.openxmlformats.org/officeDocument/2006/relationships" xmlns:p="http://schemas.openxmlformats.org/presentationml/2006/main">
+  <p:cSld>
+    <p:spTree>
+      <p:nvGrpSpPr>
+        <p:cNvPr id="1" name=""/>
+        <p:cNvGrpSpPr/>
+        <p:nvPr/>
+      </p:nvGrpSpPr>
+      <p:grpSpPr>
+        <a:xfrm>
+          <a:off x="0" y="0"/>
+          <a:ext cx="0" cy="0"/>
+          <a:chOff x="0" y="0"/>
+          <a:chExt cx="0" cy="0"/>
+        </a:xfrm>
+      </p:grpSpPr>
+      <p:sp>
+        <p:nvSpPr>
+          <p:cNvPr id="2" name="Title 1">
+            <a:extLst>
+              <a:ext uri="{FF2B5EF4-FFF2-40B4-BE49-F238E27FC236}">
+                <a16:creationId xmlns:a16="http://schemas.microsoft.com/office/drawing/2014/main" id="{CC2B0A5D-3F2D-2512-2ADE-DE25A6CC191F}"/>
+              </a:ext>
+            </a:extLst>
+          </p:cNvPr>
+          <p:cNvSpPr>
+            <a:spLocks noGrp="1"/>
+          </p:cNvSpPr>
+          <p:nvPr>
+            <p:ph type="title"/>
+          </p:nvPr>
+        </p:nvSpPr>
+        <p:spPr/>
+        <p:txBody>
+          <a:bodyPr/>
+          <a:lstStyle/>
+          <a:p>
+            <a:r>
+              <a:rPr lang="en-US" dirty="0"/>
+              <a:t>More short microburst examples…</a:t>
+            </a:r>
+          </a:p>
+        </p:txBody>
+      </p:sp>
+      <p:pic>
+        <p:nvPicPr>
+          <p:cNvPr id="8" name="Content Placeholder 7" descr="Chart, histogram&#10;&#10;Description automatically generated">
+            <a:extLst>
+              <a:ext uri="{FF2B5EF4-FFF2-40B4-BE49-F238E27FC236}">
+                <a16:creationId xmlns:a16="http://schemas.microsoft.com/office/drawing/2014/main" id="{CFBD03E5-57E0-F27A-653C-9CD2F236423A}"/>
+              </a:ext>
+            </a:extLst>
+          </p:cNvPr>
+          <p:cNvPicPr>
+            <a:picLocks noGrp="1" noChangeAspect="1"/>
+          </p:cNvPicPr>
+          <p:nvPr>
+            <p:ph idx="1"/>
+          </p:nvPr>
+        </p:nvPicPr>
+        <p:blipFill>
+          <a:blip r:embed="rId2">
+            <a:extLst>
+              <a:ext uri="{28A0092B-C50C-407E-A947-70E740481C1C}">
+                <a14:useLocalDpi xmlns:a14="http://schemas.microsoft.com/office/drawing/2010/main" val="0"/>
+              </a:ext>
+            </a:extLst>
+          </a:blip>
+          <a:stretch>
+            <a:fillRect/>
+          </a:stretch>
+        </p:blipFill>
+        <p:spPr>
+          <a:xfrm>
+            <a:off x="3557719" y="1825625"/>
+            <a:ext cx="5076561" cy="4351338"/>
+          </a:xfrm>
+        </p:spPr>
+      </p:pic>
+      <p:sp>
+        <p:nvSpPr>
+          <p:cNvPr id="4" name="Date Placeholder 3">
+            <a:extLst>
+              <a:ext uri="{FF2B5EF4-FFF2-40B4-BE49-F238E27FC236}">
+                <a16:creationId xmlns:a16="http://schemas.microsoft.com/office/drawing/2014/main" id="{643ED29A-8588-39EE-10DB-24CDEB54390D}"/>
+              </a:ext>
+            </a:extLst>
+          </p:cNvPr>
+          <p:cNvSpPr>
+            <a:spLocks noGrp="1"/>
+          </p:cNvSpPr>
+          <p:nvPr>
+            <p:ph type="dt" sz="half" idx="10"/>
+          </p:nvPr>
+        </p:nvSpPr>
+        <p:spPr/>
+        <p:txBody>
+          <a:bodyPr/>
+          <a:lstStyle/>
+          <a:p>
+            <a:fld id="{E73FE0AB-206B-4D90-A394-30ECD32AD890}" type="datetime1">
+              <a:rPr lang="en-US" smtClean="0"/>
+              <a:t>3/16/2023</a:t>
+            </a:fld>
+            <a:endParaRPr lang="en-US"/>
+          </a:p>
+        </p:txBody>
+      </p:sp>
+      <p:sp>
+        <p:nvSpPr>
+          <p:cNvPr id="5" name="Footer Placeholder 4">
+            <a:extLst>
+              <a:ext uri="{FF2B5EF4-FFF2-40B4-BE49-F238E27FC236}">
+                <a16:creationId xmlns:a16="http://schemas.microsoft.com/office/drawing/2014/main" id="{ABD27DA5-0043-3418-15DD-A7952AAD1463}"/>
+              </a:ext>
+            </a:extLst>
+          </p:cNvPr>
+          <p:cNvSpPr>
+            <a:spLocks noGrp="1"/>
+          </p:cNvSpPr>
+          <p:nvPr>
+            <p:ph type="ftr" sz="quarter" idx="11"/>
+          </p:nvPr>
+        </p:nvSpPr>
+        <p:spPr/>
+        <p:txBody>
+          <a:bodyPr/>
+          <a:lstStyle/>
+          <a:p>
+            <a:r>
+              <a:rPr lang="en-US"/>
+              <a:t>Shumko | Dusk MeV Microbursts</a:t>
+            </a:r>
+          </a:p>
+        </p:txBody>
+      </p:sp>
+      <p:sp>
+        <p:nvSpPr>
+          <p:cNvPr id="6" name="Slide Number Placeholder 5">
+            <a:extLst>
+              <a:ext uri="{FF2B5EF4-FFF2-40B4-BE49-F238E27FC236}">
+                <a16:creationId xmlns:a16="http://schemas.microsoft.com/office/drawing/2014/main" id="{C8DB1CC0-9FA2-E890-F917-DA580DAEDAB3}"/>
+              </a:ext>
+            </a:extLst>
+          </p:cNvPr>
+          <p:cNvSpPr>
+            <a:spLocks noGrp="1"/>
+          </p:cNvSpPr>
+          <p:nvPr>
+            <p:ph type="sldNum" sz="quarter" idx="12"/>
+          </p:nvPr>
+        </p:nvSpPr>
+        <p:spPr/>
+        <p:txBody>
+          <a:bodyPr/>
+          <a:lstStyle/>
+          <a:p>
+            <a:fld id="{A96EAEDA-0E79-4569-8526-042DE5D21106}" type="slidenum">
+              <a:rPr lang="en-US" smtClean="0"/>
+              <a:t>11</a:t>
+            </a:fld>
+            <a:endParaRPr lang="en-US"/>
+          </a:p>
+        </p:txBody>
+      </p:sp>
+    </p:spTree>
+    <p:extLst>
+      <p:ext uri="{BB962C8B-B14F-4D97-AF65-F5344CB8AC3E}">
+        <p14:creationId xmlns:p14="http://schemas.microsoft.com/office/powerpoint/2010/main" val="2133069320"/>
+      </p:ext>
+    </p:extLst>
+  </p:cSld>
+  <p:clrMapOvr>
+    <a:masterClrMapping/>
+  </p:clrMapOvr>
+</p:sld>
+</file>
+
+<file path=ppt/slides/slide12.xml><?xml version="1.0" encoding="utf-8"?>
+<p:sld xmlns:a="http://schemas.openxmlformats.org/drawingml/2006/main" xmlns:r="http://schemas.openxmlformats.org/officeDocument/2006/relationships" xmlns:p="http://schemas.openxmlformats.org/presentationml/2006/main">
+  <p:cSld>
+    <p:spTree>
+      <p:nvGrpSpPr>
+        <p:cNvPr id="1" name=""/>
+        <p:cNvGrpSpPr/>
+        <p:nvPr/>
+      </p:nvGrpSpPr>
+      <p:grpSpPr>
+        <a:xfrm>
+          <a:off x="0" y="0"/>
+          <a:ext cx="0" cy="0"/>
+          <a:chOff x="0" y="0"/>
+          <a:chExt cx="0" cy="0"/>
+        </a:xfrm>
+      </p:grpSpPr>
+      <p:sp>
+        <p:nvSpPr>
+          <p:cNvPr id="2" name="Title 1">
+            <a:extLst>
+              <a:ext uri="{FF2B5EF4-FFF2-40B4-BE49-F238E27FC236}">
+                <a16:creationId xmlns:a16="http://schemas.microsoft.com/office/drawing/2014/main" id="{288FB658-7D36-6343-5FDA-2ACAB880E910}"/>
+              </a:ext>
+            </a:extLst>
+          </p:cNvPr>
+          <p:cNvSpPr>
+            <a:spLocks noGrp="1"/>
+          </p:cNvSpPr>
+          <p:nvPr>
+            <p:ph type="title"/>
+          </p:nvPr>
+        </p:nvSpPr>
+        <p:spPr>
+          <a:xfrm>
+            <a:off x="838200" y="288549"/>
+            <a:ext cx="10515600" cy="1325563"/>
+          </a:xfrm>
+        </p:spPr>
+        <p:txBody>
+          <a:bodyPr/>
+          <a:lstStyle/>
+          <a:p>
+            <a:r>
+              <a:rPr lang="en-US" dirty="0"/>
+              <a:t>Did I rediscover precipitation bands, or are these still microbursts?</a:t>
+            </a:r>
+          </a:p>
+        </p:txBody>
+      </p:sp>
+      <p:pic>
+        <p:nvPicPr>
+          <p:cNvPr id="8" name="Content Placeholder 7" descr="Chart&#10;&#10;Description automatically generated">
+            <a:extLst>
+              <a:ext uri="{FF2B5EF4-FFF2-40B4-BE49-F238E27FC236}">
+                <a16:creationId xmlns:a16="http://schemas.microsoft.com/office/drawing/2014/main" id="{996F8445-8735-77A4-07D6-FDD7CA077A75}"/>
+              </a:ext>
+            </a:extLst>
+          </p:cNvPr>
+          <p:cNvPicPr>
+            <a:picLocks noGrp="1" noChangeAspect="1"/>
+          </p:cNvPicPr>
+          <p:nvPr>
+            <p:ph idx="1"/>
+          </p:nvPr>
+        </p:nvPicPr>
+        <p:blipFill>
+          <a:blip r:embed="rId2">
+            <a:extLst>
+              <a:ext uri="{28A0092B-C50C-407E-A947-70E740481C1C}">
+                <a14:useLocalDpi xmlns:a14="http://schemas.microsoft.com/office/drawing/2010/main" val="0"/>
+              </a:ext>
+            </a:extLst>
+          </a:blip>
+          <a:stretch>
+            <a:fillRect/>
+          </a:stretch>
+        </p:blipFill>
+        <p:spPr>
+          <a:xfrm>
+            <a:off x="659477" y="1614112"/>
+            <a:ext cx="5397536" cy="4626459"/>
+          </a:xfrm>
+        </p:spPr>
+      </p:pic>
+      <p:sp>
+        <p:nvSpPr>
+          <p:cNvPr id="4" name="Date Placeholder 3">
+            <a:extLst>
+              <a:ext uri="{FF2B5EF4-FFF2-40B4-BE49-F238E27FC236}">
+                <a16:creationId xmlns:a16="http://schemas.microsoft.com/office/drawing/2014/main" id="{24FFBD5D-E630-9B05-ED2D-5BCEB5BFA707}"/>
+              </a:ext>
+            </a:extLst>
+          </p:cNvPr>
+          <p:cNvSpPr>
+            <a:spLocks noGrp="1"/>
+          </p:cNvSpPr>
+          <p:nvPr>
+            <p:ph type="dt" sz="half" idx="10"/>
+          </p:nvPr>
+        </p:nvSpPr>
+        <p:spPr/>
+        <p:txBody>
+          <a:bodyPr/>
+          <a:lstStyle/>
+          <a:p>
+            <a:fld id="{E73FE0AB-206B-4D90-A394-30ECD32AD890}" type="datetime1">
+              <a:rPr lang="en-US" smtClean="0"/>
+              <a:t>3/16/2023</a:t>
+            </a:fld>
+            <a:endParaRPr lang="en-US"/>
+          </a:p>
+        </p:txBody>
+      </p:sp>
+      <p:sp>
+        <p:nvSpPr>
+          <p:cNvPr id="5" name="Footer Placeholder 4">
+            <a:extLst>
+              <a:ext uri="{FF2B5EF4-FFF2-40B4-BE49-F238E27FC236}">
+                <a16:creationId xmlns:a16="http://schemas.microsoft.com/office/drawing/2014/main" id="{5C264D75-5909-C2FF-5F29-70EEEACCCFC2}"/>
+              </a:ext>
+            </a:extLst>
+          </p:cNvPr>
+          <p:cNvSpPr>
+            <a:spLocks noGrp="1"/>
+          </p:cNvSpPr>
+          <p:nvPr>
+            <p:ph type="ftr" sz="quarter" idx="11"/>
+          </p:nvPr>
+        </p:nvSpPr>
+        <p:spPr/>
+        <p:txBody>
+          <a:bodyPr/>
+          <a:lstStyle/>
+          <a:p>
+            <a:r>
+              <a:rPr lang="en-US"/>
+              <a:t>Shumko | Dusk MeV Microbursts</a:t>
+            </a:r>
+          </a:p>
+        </p:txBody>
+      </p:sp>
+      <p:sp>
+        <p:nvSpPr>
+          <p:cNvPr id="6" name="Slide Number Placeholder 5">
+            <a:extLst>
+              <a:ext uri="{FF2B5EF4-FFF2-40B4-BE49-F238E27FC236}">
+                <a16:creationId xmlns:a16="http://schemas.microsoft.com/office/drawing/2014/main" id="{E18D9C01-2F49-BD48-EA5A-C2F8FDC81C2E}"/>
+              </a:ext>
+            </a:extLst>
+          </p:cNvPr>
+          <p:cNvSpPr>
+            <a:spLocks noGrp="1"/>
+          </p:cNvSpPr>
+          <p:nvPr>
+            <p:ph type="sldNum" sz="quarter" idx="12"/>
+          </p:nvPr>
+        </p:nvSpPr>
+        <p:spPr/>
+        <p:txBody>
+          <a:bodyPr/>
+          <a:lstStyle/>
+          <a:p>
+            <a:fld id="{A96EAEDA-0E79-4569-8526-042DE5D21106}" type="slidenum">
+              <a:rPr lang="en-US" smtClean="0"/>
+              <a:t>12</a:t>
+            </a:fld>
+            <a:endParaRPr lang="en-US"/>
+          </a:p>
+        </p:txBody>
+      </p:sp>
+      <p:pic>
+        <p:nvPicPr>
+          <p:cNvPr id="10" name="Picture 9" descr="Chart&#10;&#10;Description automatically generated">
+            <a:extLst>
+              <a:ext uri="{FF2B5EF4-FFF2-40B4-BE49-F238E27FC236}">
+                <a16:creationId xmlns:a16="http://schemas.microsoft.com/office/drawing/2014/main" id="{7897265E-56D6-1200-EF5D-C7448DB6E2A0}"/>
+              </a:ext>
+            </a:extLst>
+          </p:cNvPr>
+          <p:cNvPicPr>
+            <a:picLocks noChangeAspect="1"/>
+          </p:cNvPicPr>
+          <p:nvPr/>
+        </p:nvPicPr>
+        <p:blipFill>
+          <a:blip r:embed="rId3">
+            <a:extLst>
+              <a:ext uri="{28A0092B-C50C-407E-A947-70E740481C1C}">
+                <a14:useLocalDpi xmlns:a14="http://schemas.microsoft.com/office/drawing/2010/main" val="0"/>
+              </a:ext>
+            </a:extLst>
+          </a:blip>
+          <a:stretch>
+            <a:fillRect/>
+          </a:stretch>
+        </p:blipFill>
+        <p:spPr>
+          <a:xfrm>
+            <a:off x="6096000" y="1614112"/>
+            <a:ext cx="5397536" cy="4626459"/>
+          </a:xfrm>
+          <a:prstGeom prst="rect">
+            <a:avLst/>
+          </a:prstGeom>
+        </p:spPr>
+      </p:pic>
+    </p:spTree>
+    <p:extLst>
+      <p:ext uri="{BB962C8B-B14F-4D97-AF65-F5344CB8AC3E}">
+        <p14:creationId xmlns:p14="http://schemas.microsoft.com/office/powerpoint/2010/main" val="3036553663"/>
       </p:ext>
     </p:extLst>
   </p:cSld>
@@ -3834,7 +4517,7 @@
           <a:p>
             <a:r>
               <a:rPr lang="en-US" dirty="0"/>
-              <a:t>Plots</a:t>
+              <a:t>Methodology</a:t>
             </a:r>
           </a:p>
         </p:txBody>
@@ -3858,19 +4541,19 @@
         <p:spPr/>
         <p:txBody>
           <a:bodyPr>
-            <a:normAutofit fontScale="92500" lnSpcReduction="20000"/>
+            <a:normAutofit fontScale="85000" lnSpcReduction="20000"/>
           </a:bodyPr>
           <a:lstStyle/>
           <a:p>
             <a:r>
               <a:rPr lang="en-US" dirty="0"/>
-              <a:t>Wrote code to generate summary plots of each microburst.</a:t>
+              <a:t>I wrote a program to generate summary plots of each microburst in the dusk MLTs that were poorly and well fit</a:t>
             </a:r>
           </a:p>
           <a:p>
             <a:r>
               <a:rPr lang="en-US" dirty="0"/>
-              <a:t>Code is in a “</a:t>
+              <a:t>The program is in a “</a:t>
             </a:r>
             <a:r>
               <a:rPr lang="en-US" dirty="0">
@@ -3890,13 +4573,23 @@
             </a:r>
             <a:r>
               <a:rPr lang="en-US" dirty="0"/>
-              <a:t>” package.</a:t>
+              <a:t>” package</a:t>
             </a:r>
           </a:p>
           <a:p>
             <a:r>
               <a:rPr lang="en-US" dirty="0"/>
-              <a:t>Microburst catalog filters</a:t>
+              <a:t>Filtered the pre-existing microburst catalog (</a:t>
+            </a:r>
+            <a:r>
+              <a:rPr lang="en-US" dirty="0">
+                <a:hlinkClick r:id="rId4"/>
+              </a:rPr>
+              <a:t>microburst_catalog_04.csv</a:t>
+            </a:r>
+            <a:r>
+              <a:rPr lang="en-US" dirty="0"/>
+              <a:t>) by</a:t>
             </a:r>
           </a:p>
           <a:p>
@@ -3910,17 +4603,24 @@
             <a:pPr lvl="1"/>
             <a:r>
               <a:rPr lang="en-US" dirty="0"/>
-              <a:t>“Good” fit adj_R^2&gt;0.9</a:t>
+              <a:t>“Good” fits which are adj_R^2&gt;0.9</a:t>
             </a:r>
           </a:p>
           <a:p>
             <a:pPr lvl="1"/>
             <a:r>
               <a:rPr lang="en-US" dirty="0"/>
-              <a:t>“Bad” fit adj_R^2&lt;0.5</a:t>
-            </a:r>
-          </a:p>
-          <a:p>
+              <a:t>“Bad” fits which are adj_R^2&lt;0.5</a:t>
+            </a:r>
+          </a:p>
+          <a:p>
+            <a:r>
+              <a:rPr lang="en-US" dirty="0"/>
+              <a:t>Stats:</a:t>
+            </a:r>
+          </a:p>
+          <a:p>
+            <a:pPr lvl="1"/>
             <a:r>
               <a:rPr lang="en-US" dirty="0"/>
               <a:t>16083 microbursts in </a:t>
@@ -3935,6 +4635,7 @@
             </a:r>
           </a:p>
           <a:p>
+            <a:pPr lvl="1"/>
             <a:r>
               <a:rPr lang="en-US" dirty="0"/>
               <a:t>4515 microbursts in </a:t>
@@ -3949,6 +4650,7 @@
             </a:r>
           </a:p>
           <a:p>
+            <a:pPr lvl="1"/>
             <a:r>
               <a:rPr lang="en-US" dirty="0"/>
               <a:t>2047 microbursts in </a:t>
@@ -3965,7 +4667,17 @@
           <a:p>
             <a:r>
               <a:rPr lang="en-US" dirty="0"/>
-              <a:t>I generated the ~6500 plots and I plan to upload them to Google Drive (LINK)</a:t>
+              <a:t>I produced the ~6500 plots and I upload them to </a:t>
+            </a:r>
+            <a:r>
+              <a:rPr lang="en-US" dirty="0">
+                <a:hlinkClick r:id="rId5"/>
+              </a:rPr>
+              <a:t>Google Drive</a:t>
+            </a:r>
+            <a:r>
+              <a:rPr lang="en-US" dirty="0"/>
+              <a:t>. Take a look at your leisure!</a:t>
             </a:r>
           </a:p>
         </p:txBody>
@@ -4359,7 +5071,7 @@
         </p:blipFill>
         <p:spPr>
           <a:xfrm>
-            <a:off x="940904" y="1686656"/>
+            <a:off x="276970" y="1384313"/>
             <a:ext cx="10310192" cy="4629276"/>
           </a:xfrm>
         </p:spPr>
@@ -4447,6 +5159,41 @@
               <a:t>4</a:t>
             </a:fld>
             <a:endParaRPr lang="en-US"/>
+          </a:p>
+        </p:txBody>
+      </p:sp>
+      <p:sp>
+        <p:nvSpPr>
+          <p:cNvPr id="9" name="TextBox 8">
+            <a:extLst>
+              <a:ext uri="{FF2B5EF4-FFF2-40B4-BE49-F238E27FC236}">
+                <a16:creationId xmlns:a16="http://schemas.microsoft.com/office/drawing/2014/main" id="{CCBC62CB-D53F-12F6-95F3-71B1EE544C92}"/>
+              </a:ext>
+            </a:extLst>
+          </p:cNvPr>
+          <p:cNvSpPr txBox="1"/>
+          <p:nvPr/>
+        </p:nvSpPr>
+        <p:spPr>
+          <a:xfrm>
+            <a:off x="10351936" y="4382373"/>
+            <a:ext cx="2003728" cy="1631216"/>
+          </a:xfrm>
+          <a:prstGeom prst="rect">
+            <a:avLst/>
+          </a:prstGeom>
+          <a:noFill/>
+        </p:spPr>
+        <p:txBody>
+          <a:bodyPr wrap="square" rtlCol="0">
+            <a:spAutoFit/>
+          </a:bodyPr>
+          <a:lstStyle/>
+          <a:p>
+            <a:r>
+              <a:rPr lang="en-US" sz="2000" b="1" dirty="0"/>
+              <a:t>No obvious difference between the good and poor fit distributions.</a:t>
+            </a:r>
           </a:p>
         </p:txBody>
       </p:sp>
@@ -4669,6 +5416,719 @@
     <p:extLst>
       <p:ext uri="{BB962C8B-B14F-4D97-AF65-F5344CB8AC3E}">
         <p14:creationId xmlns:p14="http://schemas.microsoft.com/office/powerpoint/2010/main" val="1821083149"/>
+      </p:ext>
+    </p:extLst>
+  </p:cSld>
+  <p:clrMapOvr>
+    <a:masterClrMapping/>
+  </p:clrMapOvr>
+</p:sld>
+</file>
+
+<file path=ppt/slides/slide6.xml><?xml version="1.0" encoding="utf-8"?>
+<p:sld xmlns:a="http://schemas.openxmlformats.org/drawingml/2006/main" xmlns:r="http://schemas.openxmlformats.org/officeDocument/2006/relationships" xmlns:p="http://schemas.openxmlformats.org/presentationml/2006/main">
+  <p:cSld>
+    <p:spTree>
+      <p:nvGrpSpPr>
+        <p:cNvPr id="1" name=""/>
+        <p:cNvGrpSpPr/>
+        <p:nvPr/>
+      </p:nvGrpSpPr>
+      <p:grpSpPr>
+        <a:xfrm>
+          <a:off x="0" y="0"/>
+          <a:ext cx="0" cy="0"/>
+          <a:chOff x="0" y="0"/>
+          <a:chExt cx="0" cy="0"/>
+        </a:xfrm>
+      </p:grpSpPr>
+      <p:sp>
+        <p:nvSpPr>
+          <p:cNvPr id="2" name="Title 1">
+            <a:extLst>
+              <a:ext uri="{FF2B5EF4-FFF2-40B4-BE49-F238E27FC236}">
+                <a16:creationId xmlns:a16="http://schemas.microsoft.com/office/drawing/2014/main" id="{0C41AF9E-4F97-DB68-EE11-E2CAA98A9785}"/>
+              </a:ext>
+            </a:extLst>
+          </p:cNvPr>
+          <p:cNvSpPr>
+            <a:spLocks noGrp="1"/>
+          </p:cNvSpPr>
+          <p:nvPr>
+            <p:ph type="title"/>
+          </p:nvPr>
+        </p:nvSpPr>
+        <p:spPr/>
+        <p:txBody>
+          <a:bodyPr/>
+          <a:lstStyle/>
+          <a:p>
+            <a:r>
+              <a:rPr lang="en-US" dirty="0"/>
+              <a:t>Interesting short microbursts</a:t>
+            </a:r>
+          </a:p>
+        </p:txBody>
+      </p:sp>
+      <p:pic>
+        <p:nvPicPr>
+          <p:cNvPr id="8" name="Content Placeholder 7" descr="Chart, histogram&#10;&#10;Description automatically generated">
+            <a:extLst>
+              <a:ext uri="{FF2B5EF4-FFF2-40B4-BE49-F238E27FC236}">
+                <a16:creationId xmlns:a16="http://schemas.microsoft.com/office/drawing/2014/main" id="{C76B4176-E6A5-B8D9-0634-512F41E48507}"/>
+              </a:ext>
+            </a:extLst>
+          </p:cNvPr>
+          <p:cNvPicPr>
+            <a:picLocks noGrp="1" noChangeAspect="1"/>
+          </p:cNvPicPr>
+          <p:nvPr>
+            <p:ph idx="1"/>
+          </p:nvPr>
+        </p:nvPicPr>
+        <p:blipFill>
+          <a:blip r:embed="rId2">
+            <a:extLst>
+              <a:ext uri="{28A0092B-C50C-407E-A947-70E740481C1C}">
+                <a14:useLocalDpi xmlns:a14="http://schemas.microsoft.com/office/drawing/2010/main" val="0"/>
+              </a:ext>
+            </a:extLst>
+          </a:blip>
+          <a:stretch>
+            <a:fillRect/>
+          </a:stretch>
+        </p:blipFill>
+        <p:spPr>
+          <a:xfrm>
+            <a:off x="2216057" y="1825625"/>
+            <a:ext cx="7759885" cy="4351338"/>
+          </a:xfrm>
+        </p:spPr>
+      </p:pic>
+      <p:sp>
+        <p:nvSpPr>
+          <p:cNvPr id="4" name="Date Placeholder 3">
+            <a:extLst>
+              <a:ext uri="{FF2B5EF4-FFF2-40B4-BE49-F238E27FC236}">
+                <a16:creationId xmlns:a16="http://schemas.microsoft.com/office/drawing/2014/main" id="{CE14E511-7078-A8F7-BAD8-FB27183808E7}"/>
+              </a:ext>
+            </a:extLst>
+          </p:cNvPr>
+          <p:cNvSpPr>
+            <a:spLocks noGrp="1"/>
+          </p:cNvSpPr>
+          <p:nvPr>
+            <p:ph type="dt" sz="half" idx="10"/>
+          </p:nvPr>
+        </p:nvSpPr>
+        <p:spPr/>
+        <p:txBody>
+          <a:bodyPr/>
+          <a:lstStyle/>
+          <a:p>
+            <a:fld id="{E73FE0AB-206B-4D90-A394-30ECD32AD890}" type="datetime1">
+              <a:rPr lang="en-US" smtClean="0"/>
+              <a:t>3/16/2023</a:t>
+            </a:fld>
+            <a:endParaRPr lang="en-US"/>
+          </a:p>
+        </p:txBody>
+      </p:sp>
+      <p:sp>
+        <p:nvSpPr>
+          <p:cNvPr id="5" name="Footer Placeholder 4">
+            <a:extLst>
+              <a:ext uri="{FF2B5EF4-FFF2-40B4-BE49-F238E27FC236}">
+                <a16:creationId xmlns:a16="http://schemas.microsoft.com/office/drawing/2014/main" id="{77826BE5-4288-6B7A-7273-D69B794F5AA1}"/>
+              </a:ext>
+            </a:extLst>
+          </p:cNvPr>
+          <p:cNvSpPr>
+            <a:spLocks noGrp="1"/>
+          </p:cNvSpPr>
+          <p:nvPr>
+            <p:ph type="ftr" sz="quarter" idx="11"/>
+          </p:nvPr>
+        </p:nvSpPr>
+        <p:spPr/>
+        <p:txBody>
+          <a:bodyPr/>
+          <a:lstStyle/>
+          <a:p>
+            <a:r>
+              <a:rPr lang="en-US"/>
+              <a:t>Shumko | Dusk MeV Microbursts</a:t>
+            </a:r>
+          </a:p>
+        </p:txBody>
+      </p:sp>
+      <p:sp>
+        <p:nvSpPr>
+          <p:cNvPr id="6" name="Slide Number Placeholder 5">
+            <a:extLst>
+              <a:ext uri="{FF2B5EF4-FFF2-40B4-BE49-F238E27FC236}">
+                <a16:creationId xmlns:a16="http://schemas.microsoft.com/office/drawing/2014/main" id="{019DB96C-92DC-B262-1239-AAE0BAB35512}"/>
+              </a:ext>
+            </a:extLst>
+          </p:cNvPr>
+          <p:cNvSpPr>
+            <a:spLocks noGrp="1"/>
+          </p:cNvSpPr>
+          <p:nvPr>
+            <p:ph type="sldNum" sz="quarter" idx="12"/>
+          </p:nvPr>
+        </p:nvSpPr>
+        <p:spPr/>
+        <p:txBody>
+          <a:bodyPr/>
+          <a:lstStyle/>
+          <a:p>
+            <a:fld id="{A96EAEDA-0E79-4569-8526-042DE5D21106}" type="slidenum">
+              <a:rPr lang="en-US" smtClean="0"/>
+              <a:t>6</a:t>
+            </a:fld>
+            <a:endParaRPr lang="en-US"/>
+          </a:p>
+        </p:txBody>
+      </p:sp>
+    </p:spTree>
+    <p:extLst>
+      <p:ext uri="{BB962C8B-B14F-4D97-AF65-F5344CB8AC3E}">
+        <p14:creationId xmlns:p14="http://schemas.microsoft.com/office/powerpoint/2010/main" val="1989237704"/>
+      </p:ext>
+    </p:extLst>
+  </p:cSld>
+  <p:clrMapOvr>
+    <a:masterClrMapping/>
+  </p:clrMapOvr>
+</p:sld>
+</file>
+
+<file path=ppt/slides/slide7.xml><?xml version="1.0" encoding="utf-8"?>
+<p:sld xmlns:a="http://schemas.openxmlformats.org/drawingml/2006/main" xmlns:r="http://schemas.openxmlformats.org/officeDocument/2006/relationships" xmlns:p="http://schemas.openxmlformats.org/presentationml/2006/main">
+  <p:cSld>
+    <p:spTree>
+      <p:nvGrpSpPr>
+        <p:cNvPr id="1" name=""/>
+        <p:cNvGrpSpPr/>
+        <p:nvPr/>
+      </p:nvGrpSpPr>
+      <p:grpSpPr>
+        <a:xfrm>
+          <a:off x="0" y="0"/>
+          <a:ext cx="0" cy="0"/>
+          <a:chOff x="0" y="0"/>
+          <a:chExt cx="0" cy="0"/>
+        </a:xfrm>
+      </p:grpSpPr>
+      <p:sp>
+        <p:nvSpPr>
+          <p:cNvPr id="2" name="Title 1">
+            <a:extLst>
+              <a:ext uri="{FF2B5EF4-FFF2-40B4-BE49-F238E27FC236}">
+                <a16:creationId xmlns:a16="http://schemas.microsoft.com/office/drawing/2014/main" id="{0C41AF9E-4F97-DB68-EE11-E2CAA98A9785}"/>
+              </a:ext>
+            </a:extLst>
+          </p:cNvPr>
+          <p:cNvSpPr>
+            <a:spLocks noGrp="1"/>
+          </p:cNvSpPr>
+          <p:nvPr>
+            <p:ph type="title"/>
+          </p:nvPr>
+        </p:nvSpPr>
+        <p:spPr/>
+        <p:txBody>
+          <a:bodyPr/>
+          <a:lstStyle/>
+          <a:p>
+            <a:r>
+              <a:rPr lang="en-US" dirty="0"/>
+              <a:t>Interesting short microbursts</a:t>
+            </a:r>
+          </a:p>
+        </p:txBody>
+      </p:sp>
+      <p:pic>
+        <p:nvPicPr>
+          <p:cNvPr id="8" name="Content Placeholder 7">
+            <a:extLst>
+              <a:ext uri="{FF2B5EF4-FFF2-40B4-BE49-F238E27FC236}">
+                <a16:creationId xmlns:a16="http://schemas.microsoft.com/office/drawing/2014/main" id="{C76B4176-E6A5-B8D9-0634-512F41E48507}"/>
+              </a:ext>
+            </a:extLst>
+          </p:cNvPr>
+          <p:cNvPicPr>
+            <a:picLocks noGrp="1" noChangeAspect="1"/>
+          </p:cNvPicPr>
+          <p:nvPr>
+            <p:ph idx="1"/>
+          </p:nvPr>
+        </p:nvPicPr>
+        <p:blipFill>
+          <a:blip r:embed="rId2">
+            <a:extLst>
+              <a:ext uri="{28A0092B-C50C-407E-A947-70E740481C1C}">
+                <a14:useLocalDpi xmlns:a14="http://schemas.microsoft.com/office/drawing/2010/main" val="0"/>
+              </a:ext>
+            </a:extLst>
+          </a:blip>
+          <a:srcRect/>
+          <a:stretch/>
+        </p:blipFill>
+        <p:spPr>
+          <a:xfrm>
+            <a:off x="2216057" y="1825625"/>
+            <a:ext cx="7759885" cy="4351338"/>
+          </a:xfrm>
+        </p:spPr>
+      </p:pic>
+      <p:sp>
+        <p:nvSpPr>
+          <p:cNvPr id="4" name="Date Placeholder 3">
+            <a:extLst>
+              <a:ext uri="{FF2B5EF4-FFF2-40B4-BE49-F238E27FC236}">
+                <a16:creationId xmlns:a16="http://schemas.microsoft.com/office/drawing/2014/main" id="{CE14E511-7078-A8F7-BAD8-FB27183808E7}"/>
+              </a:ext>
+            </a:extLst>
+          </p:cNvPr>
+          <p:cNvSpPr>
+            <a:spLocks noGrp="1"/>
+          </p:cNvSpPr>
+          <p:nvPr>
+            <p:ph type="dt" sz="half" idx="10"/>
+          </p:nvPr>
+        </p:nvSpPr>
+        <p:spPr/>
+        <p:txBody>
+          <a:bodyPr/>
+          <a:lstStyle/>
+          <a:p>
+            <a:fld id="{E73FE0AB-206B-4D90-A394-30ECD32AD890}" type="datetime1">
+              <a:rPr lang="en-US" smtClean="0"/>
+              <a:t>3/16/2023</a:t>
+            </a:fld>
+            <a:endParaRPr lang="en-US"/>
+          </a:p>
+        </p:txBody>
+      </p:sp>
+      <p:sp>
+        <p:nvSpPr>
+          <p:cNvPr id="5" name="Footer Placeholder 4">
+            <a:extLst>
+              <a:ext uri="{FF2B5EF4-FFF2-40B4-BE49-F238E27FC236}">
+                <a16:creationId xmlns:a16="http://schemas.microsoft.com/office/drawing/2014/main" id="{77826BE5-4288-6B7A-7273-D69B794F5AA1}"/>
+              </a:ext>
+            </a:extLst>
+          </p:cNvPr>
+          <p:cNvSpPr>
+            <a:spLocks noGrp="1"/>
+          </p:cNvSpPr>
+          <p:nvPr>
+            <p:ph type="ftr" sz="quarter" idx="11"/>
+          </p:nvPr>
+        </p:nvSpPr>
+        <p:spPr/>
+        <p:txBody>
+          <a:bodyPr/>
+          <a:lstStyle/>
+          <a:p>
+            <a:r>
+              <a:rPr lang="en-US"/>
+              <a:t>Shumko | Dusk MeV Microbursts</a:t>
+            </a:r>
+          </a:p>
+        </p:txBody>
+      </p:sp>
+      <p:sp>
+        <p:nvSpPr>
+          <p:cNvPr id="6" name="Slide Number Placeholder 5">
+            <a:extLst>
+              <a:ext uri="{FF2B5EF4-FFF2-40B4-BE49-F238E27FC236}">
+                <a16:creationId xmlns:a16="http://schemas.microsoft.com/office/drawing/2014/main" id="{019DB96C-92DC-B262-1239-AAE0BAB35512}"/>
+              </a:ext>
+            </a:extLst>
+          </p:cNvPr>
+          <p:cNvSpPr>
+            <a:spLocks noGrp="1"/>
+          </p:cNvSpPr>
+          <p:nvPr>
+            <p:ph type="sldNum" sz="quarter" idx="12"/>
+          </p:nvPr>
+        </p:nvSpPr>
+        <p:spPr/>
+        <p:txBody>
+          <a:bodyPr/>
+          <a:lstStyle/>
+          <a:p>
+            <a:fld id="{A96EAEDA-0E79-4569-8526-042DE5D21106}" type="slidenum">
+              <a:rPr lang="en-US" smtClean="0"/>
+              <a:t>7</a:t>
+            </a:fld>
+            <a:endParaRPr lang="en-US"/>
+          </a:p>
+        </p:txBody>
+      </p:sp>
+    </p:spTree>
+    <p:extLst>
+      <p:ext uri="{BB962C8B-B14F-4D97-AF65-F5344CB8AC3E}">
+        <p14:creationId xmlns:p14="http://schemas.microsoft.com/office/powerpoint/2010/main" val="1939931787"/>
+      </p:ext>
+    </p:extLst>
+  </p:cSld>
+  <p:clrMapOvr>
+    <a:masterClrMapping/>
+  </p:clrMapOvr>
+</p:sld>
+</file>
+
+<file path=ppt/slides/slide8.xml><?xml version="1.0" encoding="utf-8"?>
+<p:sld xmlns:a="http://schemas.openxmlformats.org/drawingml/2006/main" xmlns:r="http://schemas.openxmlformats.org/officeDocument/2006/relationships" xmlns:p="http://schemas.openxmlformats.org/presentationml/2006/main">
+  <p:cSld>
+    <p:spTree>
+      <p:nvGrpSpPr>
+        <p:cNvPr id="1" name=""/>
+        <p:cNvGrpSpPr/>
+        <p:nvPr/>
+      </p:nvGrpSpPr>
+      <p:grpSpPr>
+        <a:xfrm>
+          <a:off x="0" y="0"/>
+          <a:ext cx="0" cy="0"/>
+          <a:chOff x="0" y="0"/>
+          <a:chExt cx="0" cy="0"/>
+        </a:xfrm>
+      </p:grpSpPr>
+      <p:sp>
+        <p:nvSpPr>
+          <p:cNvPr id="2" name="Title 1">
+            <a:extLst>
+              <a:ext uri="{FF2B5EF4-FFF2-40B4-BE49-F238E27FC236}">
+                <a16:creationId xmlns:a16="http://schemas.microsoft.com/office/drawing/2014/main" id="{0C41AF9E-4F97-DB68-EE11-E2CAA98A9785}"/>
+              </a:ext>
+            </a:extLst>
+          </p:cNvPr>
+          <p:cNvSpPr>
+            <a:spLocks noGrp="1"/>
+          </p:cNvSpPr>
+          <p:nvPr>
+            <p:ph type="title"/>
+          </p:nvPr>
+        </p:nvSpPr>
+        <p:spPr/>
+        <p:txBody>
+          <a:bodyPr/>
+          <a:lstStyle/>
+          <a:p>
+            <a:r>
+              <a:rPr lang="en-US" dirty="0"/>
+              <a:t>Interesting short microbursts</a:t>
+            </a:r>
+          </a:p>
+        </p:txBody>
+      </p:sp>
+      <p:pic>
+        <p:nvPicPr>
+          <p:cNvPr id="8" name="Content Placeholder 7">
+            <a:extLst>
+              <a:ext uri="{FF2B5EF4-FFF2-40B4-BE49-F238E27FC236}">
+                <a16:creationId xmlns:a16="http://schemas.microsoft.com/office/drawing/2014/main" id="{C76B4176-E6A5-B8D9-0634-512F41E48507}"/>
+              </a:ext>
+            </a:extLst>
+          </p:cNvPr>
+          <p:cNvPicPr>
+            <a:picLocks noGrp="1" noChangeAspect="1"/>
+          </p:cNvPicPr>
+          <p:nvPr>
+            <p:ph idx="1"/>
+          </p:nvPr>
+        </p:nvPicPr>
+        <p:blipFill>
+          <a:blip r:embed="rId2">
+            <a:extLst>
+              <a:ext uri="{28A0092B-C50C-407E-A947-70E740481C1C}">
+                <a14:useLocalDpi xmlns:a14="http://schemas.microsoft.com/office/drawing/2010/main" val="0"/>
+              </a:ext>
+            </a:extLst>
+          </a:blip>
+          <a:srcRect/>
+          <a:stretch/>
+        </p:blipFill>
+        <p:spPr>
+          <a:xfrm>
+            <a:off x="2216057" y="1825625"/>
+            <a:ext cx="7759885" cy="4351338"/>
+          </a:xfrm>
+        </p:spPr>
+      </p:pic>
+      <p:sp>
+        <p:nvSpPr>
+          <p:cNvPr id="4" name="Date Placeholder 3">
+            <a:extLst>
+              <a:ext uri="{FF2B5EF4-FFF2-40B4-BE49-F238E27FC236}">
+                <a16:creationId xmlns:a16="http://schemas.microsoft.com/office/drawing/2014/main" id="{CE14E511-7078-A8F7-BAD8-FB27183808E7}"/>
+              </a:ext>
+            </a:extLst>
+          </p:cNvPr>
+          <p:cNvSpPr>
+            <a:spLocks noGrp="1"/>
+          </p:cNvSpPr>
+          <p:nvPr>
+            <p:ph type="dt" sz="half" idx="10"/>
+          </p:nvPr>
+        </p:nvSpPr>
+        <p:spPr/>
+        <p:txBody>
+          <a:bodyPr/>
+          <a:lstStyle/>
+          <a:p>
+            <a:fld id="{E73FE0AB-206B-4D90-A394-30ECD32AD890}" type="datetime1">
+              <a:rPr lang="en-US" smtClean="0"/>
+              <a:t>3/16/2023</a:t>
+            </a:fld>
+            <a:endParaRPr lang="en-US"/>
+          </a:p>
+        </p:txBody>
+      </p:sp>
+      <p:sp>
+        <p:nvSpPr>
+          <p:cNvPr id="5" name="Footer Placeholder 4">
+            <a:extLst>
+              <a:ext uri="{FF2B5EF4-FFF2-40B4-BE49-F238E27FC236}">
+                <a16:creationId xmlns:a16="http://schemas.microsoft.com/office/drawing/2014/main" id="{77826BE5-4288-6B7A-7273-D69B794F5AA1}"/>
+              </a:ext>
+            </a:extLst>
+          </p:cNvPr>
+          <p:cNvSpPr>
+            <a:spLocks noGrp="1"/>
+          </p:cNvSpPr>
+          <p:nvPr>
+            <p:ph type="ftr" sz="quarter" idx="11"/>
+          </p:nvPr>
+        </p:nvSpPr>
+        <p:spPr/>
+        <p:txBody>
+          <a:bodyPr/>
+          <a:lstStyle/>
+          <a:p>
+            <a:r>
+              <a:rPr lang="en-US"/>
+              <a:t>Shumko | Dusk MeV Microbursts</a:t>
+            </a:r>
+          </a:p>
+        </p:txBody>
+      </p:sp>
+      <p:sp>
+        <p:nvSpPr>
+          <p:cNvPr id="6" name="Slide Number Placeholder 5">
+            <a:extLst>
+              <a:ext uri="{FF2B5EF4-FFF2-40B4-BE49-F238E27FC236}">
+                <a16:creationId xmlns:a16="http://schemas.microsoft.com/office/drawing/2014/main" id="{019DB96C-92DC-B262-1239-AAE0BAB35512}"/>
+              </a:ext>
+            </a:extLst>
+          </p:cNvPr>
+          <p:cNvSpPr>
+            <a:spLocks noGrp="1"/>
+          </p:cNvSpPr>
+          <p:nvPr>
+            <p:ph type="sldNum" sz="quarter" idx="12"/>
+          </p:nvPr>
+        </p:nvSpPr>
+        <p:spPr/>
+        <p:txBody>
+          <a:bodyPr/>
+          <a:lstStyle/>
+          <a:p>
+            <a:fld id="{A96EAEDA-0E79-4569-8526-042DE5D21106}" type="slidenum">
+              <a:rPr lang="en-US" smtClean="0"/>
+              <a:t>8</a:t>
+            </a:fld>
+            <a:endParaRPr lang="en-US"/>
+          </a:p>
+        </p:txBody>
+      </p:sp>
+    </p:spTree>
+    <p:extLst>
+      <p:ext uri="{BB962C8B-B14F-4D97-AF65-F5344CB8AC3E}">
+        <p14:creationId xmlns:p14="http://schemas.microsoft.com/office/powerpoint/2010/main" val="2899697464"/>
+      </p:ext>
+    </p:extLst>
+  </p:cSld>
+  <p:clrMapOvr>
+    <a:masterClrMapping/>
+  </p:clrMapOvr>
+</p:sld>
+</file>
+
+<file path=ppt/slides/slide9.xml><?xml version="1.0" encoding="utf-8"?>
+<p:sld xmlns:a="http://schemas.openxmlformats.org/drawingml/2006/main" xmlns:r="http://schemas.openxmlformats.org/officeDocument/2006/relationships" xmlns:p="http://schemas.openxmlformats.org/presentationml/2006/main">
+  <p:cSld>
+    <p:spTree>
+      <p:nvGrpSpPr>
+        <p:cNvPr id="1" name=""/>
+        <p:cNvGrpSpPr/>
+        <p:nvPr/>
+      </p:nvGrpSpPr>
+      <p:grpSpPr>
+        <a:xfrm>
+          <a:off x="0" y="0"/>
+          <a:ext cx="0" cy="0"/>
+          <a:chOff x="0" y="0"/>
+          <a:chExt cx="0" cy="0"/>
+        </a:xfrm>
+      </p:grpSpPr>
+      <p:sp>
+        <p:nvSpPr>
+          <p:cNvPr id="2" name="Title 1">
+            <a:extLst>
+              <a:ext uri="{FF2B5EF4-FFF2-40B4-BE49-F238E27FC236}">
+                <a16:creationId xmlns:a16="http://schemas.microsoft.com/office/drawing/2014/main" id="{0C41AF9E-4F97-DB68-EE11-E2CAA98A9785}"/>
+              </a:ext>
+            </a:extLst>
+          </p:cNvPr>
+          <p:cNvSpPr>
+            <a:spLocks noGrp="1"/>
+          </p:cNvSpPr>
+          <p:nvPr>
+            <p:ph type="title"/>
+          </p:nvPr>
+        </p:nvSpPr>
+        <p:spPr/>
+        <p:txBody>
+          <a:bodyPr/>
+          <a:lstStyle/>
+          <a:p>
+            <a:r>
+              <a:rPr lang="en-US" dirty="0"/>
+              <a:t>Interesting short microbursts</a:t>
+            </a:r>
+          </a:p>
+        </p:txBody>
+      </p:sp>
+      <p:pic>
+        <p:nvPicPr>
+          <p:cNvPr id="8" name="Content Placeholder 7">
+            <a:extLst>
+              <a:ext uri="{FF2B5EF4-FFF2-40B4-BE49-F238E27FC236}">
+                <a16:creationId xmlns:a16="http://schemas.microsoft.com/office/drawing/2014/main" id="{C76B4176-E6A5-B8D9-0634-512F41E48507}"/>
+              </a:ext>
+            </a:extLst>
+          </p:cNvPr>
+          <p:cNvPicPr>
+            <a:picLocks noGrp="1" noChangeAspect="1"/>
+          </p:cNvPicPr>
+          <p:nvPr>
+            <p:ph idx="1"/>
+          </p:nvPr>
+        </p:nvPicPr>
+        <p:blipFill>
+          <a:blip r:embed="rId2">
+            <a:extLst>
+              <a:ext uri="{28A0092B-C50C-407E-A947-70E740481C1C}">
+                <a14:useLocalDpi xmlns:a14="http://schemas.microsoft.com/office/drawing/2010/main" val="0"/>
+              </a:ext>
+            </a:extLst>
+          </a:blip>
+          <a:srcRect/>
+          <a:stretch/>
+        </p:blipFill>
+        <p:spPr>
+          <a:xfrm>
+            <a:off x="2216057" y="1825625"/>
+            <a:ext cx="7759885" cy="4351338"/>
+          </a:xfrm>
+        </p:spPr>
+      </p:pic>
+      <p:sp>
+        <p:nvSpPr>
+          <p:cNvPr id="4" name="Date Placeholder 3">
+            <a:extLst>
+              <a:ext uri="{FF2B5EF4-FFF2-40B4-BE49-F238E27FC236}">
+                <a16:creationId xmlns:a16="http://schemas.microsoft.com/office/drawing/2014/main" id="{CE14E511-7078-A8F7-BAD8-FB27183808E7}"/>
+              </a:ext>
+            </a:extLst>
+          </p:cNvPr>
+          <p:cNvSpPr>
+            <a:spLocks noGrp="1"/>
+          </p:cNvSpPr>
+          <p:nvPr>
+            <p:ph type="dt" sz="half" idx="10"/>
+          </p:nvPr>
+        </p:nvSpPr>
+        <p:spPr/>
+        <p:txBody>
+          <a:bodyPr/>
+          <a:lstStyle/>
+          <a:p>
+            <a:fld id="{E73FE0AB-206B-4D90-A394-30ECD32AD890}" type="datetime1">
+              <a:rPr lang="en-US" smtClean="0"/>
+              <a:t>3/16/2023</a:t>
+            </a:fld>
+            <a:endParaRPr lang="en-US"/>
+          </a:p>
+        </p:txBody>
+      </p:sp>
+      <p:sp>
+        <p:nvSpPr>
+          <p:cNvPr id="5" name="Footer Placeholder 4">
+            <a:extLst>
+              <a:ext uri="{FF2B5EF4-FFF2-40B4-BE49-F238E27FC236}">
+                <a16:creationId xmlns:a16="http://schemas.microsoft.com/office/drawing/2014/main" id="{77826BE5-4288-6B7A-7273-D69B794F5AA1}"/>
+              </a:ext>
+            </a:extLst>
+          </p:cNvPr>
+          <p:cNvSpPr>
+            <a:spLocks noGrp="1"/>
+          </p:cNvSpPr>
+          <p:nvPr>
+            <p:ph type="ftr" sz="quarter" idx="11"/>
+          </p:nvPr>
+        </p:nvSpPr>
+        <p:spPr/>
+        <p:txBody>
+          <a:bodyPr/>
+          <a:lstStyle/>
+          <a:p>
+            <a:r>
+              <a:rPr lang="en-US"/>
+              <a:t>Shumko | Dusk MeV Microbursts</a:t>
+            </a:r>
+          </a:p>
+        </p:txBody>
+      </p:sp>
+      <p:sp>
+        <p:nvSpPr>
+          <p:cNvPr id="6" name="Slide Number Placeholder 5">
+            <a:extLst>
+              <a:ext uri="{FF2B5EF4-FFF2-40B4-BE49-F238E27FC236}">
+                <a16:creationId xmlns:a16="http://schemas.microsoft.com/office/drawing/2014/main" id="{019DB96C-92DC-B262-1239-AAE0BAB35512}"/>
+              </a:ext>
+            </a:extLst>
+          </p:cNvPr>
+          <p:cNvSpPr>
+            <a:spLocks noGrp="1"/>
+          </p:cNvSpPr>
+          <p:nvPr>
+            <p:ph type="sldNum" sz="quarter" idx="12"/>
+          </p:nvPr>
+        </p:nvSpPr>
+        <p:spPr/>
+        <p:txBody>
+          <a:bodyPr/>
+          <a:lstStyle/>
+          <a:p>
+            <a:fld id="{A96EAEDA-0E79-4569-8526-042DE5D21106}" type="slidenum">
+              <a:rPr lang="en-US" smtClean="0"/>
+              <a:t>9</a:t>
+            </a:fld>
+            <a:endParaRPr lang="en-US"/>
+          </a:p>
+        </p:txBody>
+      </p:sp>
+    </p:spTree>
+    <p:extLst>
+      <p:ext uri="{BB962C8B-B14F-4D97-AF65-F5344CB8AC3E}">
+        <p14:creationId xmlns:p14="http://schemas.microsoft.com/office/powerpoint/2010/main" val="284382238"/>
       </p:ext>
     </p:extLst>
   </p:cSld>
